--- a/lectureSlides/lecture7.pptx
+++ b/lectureSlides/lecture7.pptx
@@ -110,6 +110,11 @@
       </a:defRPr>
     </a:lvl9pPr>
   </p:defaultTextStyle>
+  <p:extLst>
+    <p:ext uri="{EFAFB233-063F-42B5-8137-9DF3F51BA10A}">
+      <p15:sldGuideLst xmlns:p15="http://schemas.microsoft.com/office/powerpoint/2012/main"/>
+    </p:ext>
+  </p:extLst>
 </p:presentation>
 </file>
 
@@ -260,7 +265,7 @@
           <a:p>
             <a:fld id="{C614D021-E82F-4B46-9F38-5CDB79E06E07}" type="datetimeFigureOut">
               <a:rPr lang="en-US" smtClean="0"/>
-              <a:t>11/26/24</a:t>
+              <a:t>1/30/2025</a:t>
             </a:fld>
             <a:endParaRPr lang="en-US"/>
           </a:p>
@@ -458,7 +463,7 @@
           <a:p>
             <a:fld id="{C614D021-E82F-4B46-9F38-5CDB79E06E07}" type="datetimeFigureOut">
               <a:rPr lang="en-US" smtClean="0"/>
-              <a:t>11/26/24</a:t>
+              <a:t>1/30/2025</a:t>
             </a:fld>
             <a:endParaRPr lang="en-US"/>
           </a:p>
@@ -666,7 +671,7 @@
           <a:p>
             <a:fld id="{C614D021-E82F-4B46-9F38-5CDB79E06E07}" type="datetimeFigureOut">
               <a:rPr lang="en-US" smtClean="0"/>
-              <a:t>11/26/24</a:t>
+              <a:t>1/30/2025</a:t>
             </a:fld>
             <a:endParaRPr lang="en-US"/>
           </a:p>
@@ -864,7 +869,7 @@
           <a:p>
             <a:fld id="{C614D021-E82F-4B46-9F38-5CDB79E06E07}" type="datetimeFigureOut">
               <a:rPr lang="en-US" smtClean="0"/>
-              <a:t>11/26/24</a:t>
+              <a:t>1/30/2025</a:t>
             </a:fld>
             <a:endParaRPr lang="en-US"/>
           </a:p>
@@ -1139,7 +1144,7 @@
           <a:p>
             <a:fld id="{C614D021-E82F-4B46-9F38-5CDB79E06E07}" type="datetimeFigureOut">
               <a:rPr lang="en-US" smtClean="0"/>
-              <a:t>11/26/24</a:t>
+              <a:t>1/30/2025</a:t>
             </a:fld>
             <a:endParaRPr lang="en-US"/>
           </a:p>
@@ -1404,7 +1409,7 @@
           <a:p>
             <a:fld id="{C614D021-E82F-4B46-9F38-5CDB79E06E07}" type="datetimeFigureOut">
               <a:rPr lang="en-US" smtClean="0"/>
-              <a:t>11/26/24</a:t>
+              <a:t>1/30/2025</a:t>
             </a:fld>
             <a:endParaRPr lang="en-US"/>
           </a:p>
@@ -1816,7 +1821,7 @@
           <a:p>
             <a:fld id="{C614D021-E82F-4B46-9F38-5CDB79E06E07}" type="datetimeFigureOut">
               <a:rPr lang="en-US" smtClean="0"/>
-              <a:t>11/26/24</a:t>
+              <a:t>1/30/2025</a:t>
             </a:fld>
             <a:endParaRPr lang="en-US"/>
           </a:p>
@@ -1957,7 +1962,7 @@
           <a:p>
             <a:fld id="{C614D021-E82F-4B46-9F38-5CDB79E06E07}" type="datetimeFigureOut">
               <a:rPr lang="en-US" smtClean="0"/>
-              <a:t>11/26/24</a:t>
+              <a:t>1/30/2025</a:t>
             </a:fld>
             <a:endParaRPr lang="en-US"/>
           </a:p>
@@ -2070,7 +2075,7 @@
           <a:p>
             <a:fld id="{C614D021-E82F-4B46-9F38-5CDB79E06E07}" type="datetimeFigureOut">
               <a:rPr lang="en-US" smtClean="0"/>
-              <a:t>11/26/24</a:t>
+              <a:t>1/30/2025</a:t>
             </a:fld>
             <a:endParaRPr lang="en-US"/>
           </a:p>
@@ -2381,7 +2386,7 @@
           <a:p>
             <a:fld id="{C614D021-E82F-4B46-9F38-5CDB79E06E07}" type="datetimeFigureOut">
               <a:rPr lang="en-US" smtClean="0"/>
-              <a:t>11/26/24</a:t>
+              <a:t>1/30/2025</a:t>
             </a:fld>
             <a:endParaRPr lang="en-US"/>
           </a:p>
@@ -2669,7 +2674,7 @@
           <a:p>
             <a:fld id="{C614D021-E82F-4B46-9F38-5CDB79E06E07}" type="datetimeFigureOut">
               <a:rPr lang="en-US" smtClean="0"/>
-              <a:t>11/26/24</a:t>
+              <a:t>1/30/2025</a:t>
             </a:fld>
             <a:endParaRPr lang="en-US"/>
           </a:p>
@@ -2910,7 +2915,7 @@
           <a:p>
             <a:fld id="{C614D021-E82F-4B46-9F38-5CDB79E06E07}" type="datetimeFigureOut">
               <a:rPr lang="en-US" smtClean="0"/>
-              <a:t>11/26/24</a:t>
+              <a:t>1/30/2025</a:t>
             </a:fld>
             <a:endParaRPr lang="en-US"/>
           </a:p>
@@ -7805,7 +7810,7 @@
         <p:spPr>
           <a:xfrm>
             <a:off x="572493" y="2071316"/>
-            <a:ext cx="6713552" cy="4119172"/>
+            <a:ext cx="5785974" cy="4119172"/>
           </a:xfrm>
         </p:spPr>
         <p:txBody>
@@ -7906,13 +7911,13 @@
         </p:nvPicPr>
         <p:blipFill>
           <a:blip r:embed="rId2"/>
-          <a:srcRect l="27976" r="12376"/>
+          <a:srcRect l="4068" r="12375"/>
           <a:stretch/>
         </p:blipFill>
         <p:spPr>
           <a:xfrm>
-            <a:off x="7675658" y="2093976"/>
-            <a:ext cx="3941064" cy="4096512"/>
+            <a:off x="6542824" y="2093976"/>
+            <a:ext cx="5073897" cy="3764957"/>
           </a:xfrm>
           <a:prstGeom prst="rect">
             <a:avLst/>
